--- a/Insights and Optimisation Presentation.pptx
+++ b/Insights and Optimisation Presentation.pptx
@@ -6773,12 +6773,8 @@
           </a:p>
           <a:p>
             <a:r>
-              <a:rPr lang="en-GB" dirty="0" err="1"/>
-              <a:t>Targetting</a:t>
-            </a:r>
-            <a:r>
               <a:rPr lang="en-GB" dirty="0"/>
-              <a:t> in practise would be more broad than this, and an analysis of where to adjust strategy with ordinal data should set a cutoff rather than target a specific segment within those categories</a:t>
+              <a:t>Targeting in practise would be more broad than this, and an analysis of where to adjust strategy with ordinal data should set a cutoff rather than target a specific segment within those categories</a:t>
             </a:r>
           </a:p>
           <a:p>
@@ -14191,7 +14187,7 @@
           <a:lstStyle/>
           <a:p>
             <a:r>
-              <a:rPr lang="en-US" sz="3400" kern="1200">
+              <a:rPr lang="en-US" sz="3400" kern="1200" dirty="0">
                 <a:solidFill>
                   <a:schemeClr val="tx1"/>
                 </a:solidFill>
